--- a/KinectPresentation.pptx
+++ b/KinectPresentation.pptx
@@ -5,14 +5,18 @@
     <p:sldMasterId id="2147483660" r:id="rId1"/>
   </p:sldMasterIdLst>
   <p:notesMasterIdLst>
-    <p:notesMasterId r:id="rId7"/>
+    <p:notesMasterId r:id="rId11"/>
   </p:notesMasterIdLst>
   <p:sldIdLst>
     <p:sldId id="256" r:id="rId2"/>
     <p:sldId id="260" r:id="rId3"/>
-    <p:sldId id="257" r:id="rId4"/>
-    <p:sldId id="258" r:id="rId5"/>
-    <p:sldId id="261" r:id="rId6"/>
+    <p:sldId id="263" r:id="rId4"/>
+    <p:sldId id="264" r:id="rId5"/>
+    <p:sldId id="265" r:id="rId6"/>
+    <p:sldId id="266" r:id="rId7"/>
+    <p:sldId id="257" r:id="rId8"/>
+    <p:sldId id="262" r:id="rId9"/>
+    <p:sldId id="261" r:id="rId10"/>
   </p:sldIdLst>
   <p:sldSz cx="12192000" cy="6858000"/>
   <p:notesSz cx="6858000" cy="9144000"/>
@@ -111,6 +115,11 @@
       </a:defRPr>
     </a:lvl9pPr>
   </p:defaultTextStyle>
+  <p:extLst>
+    <p:ext uri="{EFAFB233-063F-42B5-8137-9DF3F51BA10A}">
+      <p15:sldGuideLst xmlns:p15="http://schemas.microsoft.com/office/powerpoint/2012/main"/>
+    </p:ext>
+  </p:extLst>
 </p:presentation>
 </file>
 
@@ -641,7 +650,7 @@
           <a:p>
             <a:fld id="{3748B1D0-D9AA-4E71-A9C3-B01C1754FF71}" type="slidenum">
               <a:rPr lang="en-US" smtClean="0"/>
-              <a:t>5</a:t>
+              <a:t>9</a:t>
             </a:fld>
             <a:endParaRPr lang="en-US"/>
           </a:p>
@@ -7025,11 +7034,7 @@
             </a:pPr>
             <a:r>
               <a:rPr lang="en-US" sz="2400" dirty="0"/>
-              <a:t>Tobiah </a:t>
-            </a:r>
-            <a:r>
-              <a:rPr lang="en-US" sz="2400" dirty="0"/>
-              <a:t>Zarlez</a:t>
+              <a:t>Tobiah Zarlez</a:t>
             </a:r>
           </a:p>
           <a:p>
@@ -7098,7 +7103,6 @@
               <a:rPr lang="en-US" sz="1600" dirty="0"/>
               <a:t>www.TobiahZ.com</a:t>
             </a:r>
-            <a:endParaRPr lang="en-US" sz="1600" dirty="0"/>
           </a:p>
           <a:p>
             <a:pPr marL="0" indent="0" algn="ctr">
@@ -7115,7 +7119,6 @@
               <a:rPr lang="en-US" sz="1600" dirty="0"/>
               <a:t>www.BeIndieNow.com</a:t>
             </a:r>
-            <a:endParaRPr lang="en-US" sz="1600" dirty="0"/>
           </a:p>
         </p:txBody>
       </p:sp>
@@ -7217,11 +7220,7 @@
             </a:pPr>
             <a:r>
               <a:rPr lang="en-US" sz="2400" dirty="0"/>
-              <a:t>Adina </a:t>
-            </a:r>
-            <a:r>
-              <a:rPr lang="en-US" sz="2400" dirty="0"/>
-              <a:t>Shanholtz</a:t>
+              <a:t>Adina Shanholtz</a:t>
             </a:r>
           </a:p>
           <a:p>
@@ -7282,10 +7281,6 @@
             <a:r>
               <a:rPr lang="en-US" sz="1600" dirty="0"/>
               <a:t>Blog:</a:t>
-            </a:r>
-            <a:r>
-              <a:rPr lang="en-US" sz="1600" dirty="0"/>
-              <a:t/>
             </a:r>
             <a:br>
               <a:rPr lang="en-US" sz="1600" dirty="0"/>
@@ -7326,7 +7321,6 @@
               <a:rPr lang="en-US" sz="2400" dirty="0"/>
               <a:t>Katherine Harris</a:t>
             </a:r>
-            <a:endParaRPr lang="en-US" sz="2400" dirty="0"/>
           </a:p>
           <a:p>
             <a:pPr marL="0" indent="0" algn="ctr">
@@ -7365,10 +7359,6 @@
             <a:r>
               <a:rPr lang="en-US" sz="1600" dirty="0"/>
               <a:t>Twitter:</a:t>
-            </a:r>
-            <a:r>
-              <a:rPr lang="en-US" sz="1600" dirty="0"/>
-              <a:t/>
             </a:r>
             <a:br>
               <a:rPr lang="en-US" sz="1600" dirty="0"/>
@@ -7390,10 +7380,6 @@
             <a:r>
               <a:rPr lang="en-US" sz="1600" dirty="0"/>
               <a:t>Blog:</a:t>
-            </a:r>
-            <a:r>
-              <a:rPr lang="en-US" sz="1600" dirty="0"/>
-              <a:t/>
             </a:r>
             <a:br>
               <a:rPr lang="en-US" sz="1600" dirty="0"/>
@@ -7519,10 +7505,18 @@
           <a:lstStyle/>
           <a:p>
             <a:r>
-              <a:rPr lang="en-US" sz="4800" dirty="0" smtClean="0"/>
-              <a:t>Kinect Prerequisites</a:t>
-            </a:r>
-            <a:endParaRPr lang="en-US" sz="4800" dirty="0"/>
+              <a:rPr lang="en-US" sz="4400" dirty="0" smtClean="0"/>
+              <a:t>You have a game… </a:t>
+            </a:r>
+            <a:r>
+              <a:rPr lang="en-US" sz="4400" dirty="0"/>
+              <a:t>N</a:t>
+            </a:r>
+            <a:r>
+              <a:rPr lang="en-US" sz="4400" dirty="0" smtClean="0"/>
+              <a:t>ow what?</a:t>
+            </a:r>
+            <a:endParaRPr lang="en-US" sz="4400" dirty="0"/>
           </a:p>
         </p:txBody>
       </p:sp>
@@ -7533,7 +7527,7 @@
             <a:spLocks noGrp="1"/>
           </p:cNvSpPr>
           <p:nvPr>
-            <p:ph idx="1"/>
+            <p:ph sz="half" idx="1"/>
           </p:nvPr>
         </p:nvSpPr>
         <p:spPr/>
@@ -7544,87 +7538,38 @@
           <a:lstStyle/>
           <a:p>
             <a:r>
-              <a:rPr lang="en-US" sz="2800" dirty="0" smtClean="0"/>
-              <a:t>USB 3 port</a:t>
-            </a:r>
-          </a:p>
-          <a:p>
-            <a:r>
-              <a:rPr lang="en-US" sz="2800" dirty="0" smtClean="0"/>
-              <a:t>Kinect SDK - </a:t>
-            </a:r>
-            <a:r>
-              <a:rPr lang="en-US" sz="2400" dirty="0">
-                <a:hlinkClick r:id="rId2"/>
-              </a:rPr>
-              <a:t>https://www.microsoft.com/en-us/kinectforwindows/develop/downloads-docs.aspx</a:t>
-            </a:r>
-            <a:endParaRPr lang="en-US" sz="2400" dirty="0" smtClean="0"/>
-          </a:p>
-          <a:p>
-            <a:r>
-              <a:rPr lang="en-US" sz="2800" dirty="0" smtClean="0"/>
-              <a:t>Unity Plugins (which I provide in the </a:t>
-            </a:r>
-            <a:r>
-              <a:rPr lang="en-US" sz="2800" dirty="0" err="1" smtClean="0"/>
-              <a:t>git</a:t>
-            </a:r>
-            <a:r>
-              <a:rPr lang="en-US" sz="2800" dirty="0" smtClean="0"/>
-              <a:t> repo) </a:t>
-            </a:r>
-            <a:r>
-              <a:rPr lang="en-US" sz="2800" dirty="0"/>
-              <a:t>– </a:t>
-            </a:r>
-            <a:r>
-              <a:rPr lang="en-US" sz="2400" dirty="0">
-                <a:hlinkClick r:id="rId3"/>
-              </a:rPr>
-              <a:t>https://</a:t>
-            </a:r>
-            <a:r>
-              <a:rPr lang="en-US" sz="2400" dirty="0" smtClean="0">
-                <a:hlinkClick r:id="rId3"/>
-              </a:rPr>
-              <a:t>github.com/KatVHarris/Unity5-KinectGestures</a:t>
-            </a:r>
-            <a:endParaRPr lang="en-US" sz="2400" dirty="0" smtClean="0"/>
-          </a:p>
-          <a:p>
-            <a:r>
-              <a:rPr lang="en-US" sz="2800" dirty="0" smtClean="0"/>
-              <a:t>Kinect </a:t>
-            </a:r>
-            <a:r>
-              <a:rPr lang="en-US" sz="2800" dirty="0"/>
-              <a:t>Setup Instructions - </a:t>
-            </a:r>
-            <a:r>
-              <a:rPr lang="en-US" sz="2400" dirty="0">
-                <a:hlinkClick r:id="rId4"/>
-              </a:rPr>
-              <a:t>http://</a:t>
-            </a:r>
-            <a:r>
-              <a:rPr lang="en-US" sz="2400" dirty="0" smtClean="0">
-                <a:hlinkClick r:id="rId4"/>
-              </a:rPr>
-              <a:t>bit.ly/UnityKinect</a:t>
-            </a:r>
-            <a:r>
               <a:rPr lang="en-US" sz="2400" dirty="0" smtClean="0"/>
-              <a:t> </a:t>
-            </a:r>
-            <a:endParaRPr lang="en-US" sz="2400" dirty="0"/>
+              <a:t>Download</a:t>
+            </a:r>
+          </a:p>
+          <a:p>
+            <a:pPr lvl="1"/>
+            <a:r>
+              <a:rPr lang="en-US" sz="2200" dirty="0" smtClean="0"/>
+              <a:t>Kinect SDK Browser</a:t>
+            </a:r>
+          </a:p>
+          <a:p>
+            <a:pPr lvl="1"/>
+            <a:r>
+              <a:rPr lang="en-US" sz="2200" dirty="0" smtClean="0"/>
+              <a:t>Kinect Studio</a:t>
+            </a:r>
+          </a:p>
+          <a:p>
+            <a:pPr lvl="1"/>
+            <a:r>
+              <a:rPr lang="en-US" sz="2200" dirty="0" smtClean="0"/>
+              <a:t>Kinect Gesture Builder</a:t>
+            </a:r>
+            <a:endParaRPr lang="en-US" sz="2200" dirty="0"/>
           </a:p>
         </p:txBody>
       </p:sp>
     </p:spTree>
     <p:extLst>
       <p:ext uri="{BB962C8B-B14F-4D97-AF65-F5344CB8AC3E}">
-        <p14:creationId xmlns:p14="http://schemas.microsoft.com/office/powerpoint/2010/main" val="2910986191"/>
+        <p14:creationId xmlns:p14="http://schemas.microsoft.com/office/powerpoint/2010/main" val="2466639688"/>
       </p:ext>
     </p:extLst>
   </p:cSld>
@@ -7669,10 +7614,10 @@
           <a:lstStyle/>
           <a:p>
             <a:r>
-              <a:rPr lang="en-US" sz="4800" dirty="0" smtClean="0"/>
-              <a:t>Questions?</a:t>
-            </a:r>
-            <a:endParaRPr lang="en-US" sz="4800" dirty="0"/>
+              <a:rPr lang="en-US" sz="4400" dirty="0" smtClean="0"/>
+              <a:t>Kinect SDK Browser</a:t>
+            </a:r>
+            <a:endParaRPr lang="en-US" sz="4400" dirty="0"/>
           </a:p>
         </p:txBody>
       </p:sp>
@@ -7683,22 +7628,69 @@
             <a:spLocks noGrp="1"/>
           </p:cNvSpPr>
           <p:nvPr>
-            <p:ph idx="1"/>
+            <p:ph sz="half" idx="1"/>
           </p:nvPr>
         </p:nvSpPr>
         <p:spPr/>
         <p:txBody>
-          <a:bodyPr/>
-          <a:lstStyle/>
-          <a:p>
-            <a:endParaRPr lang="en-US"/>
-          </a:p>
-        </p:txBody>
-      </p:sp>
+          <a:bodyPr>
+            <a:normAutofit/>
+          </a:bodyPr>
+          <a:lstStyle/>
+          <a:p>
+            <a:r>
+              <a:rPr lang="en-US" sz="2400" dirty="0" smtClean="0"/>
+              <a:t>Gives access to configure Kinect Sensor</a:t>
+            </a:r>
+          </a:p>
+          <a:p>
+            <a:r>
+              <a:rPr lang="en-US" sz="2400" dirty="0" smtClean="0"/>
+              <a:t>Tutorials on C# and C++</a:t>
+            </a:r>
+          </a:p>
+          <a:p>
+            <a:r>
+              <a:rPr lang="en-US" sz="2400" dirty="0" smtClean="0"/>
+              <a:t>Sample code for sensor manipulation and access</a:t>
+            </a:r>
+            <a:endParaRPr lang="en-US" sz="2400" dirty="0"/>
+          </a:p>
+        </p:txBody>
+      </p:sp>
+      <p:pic>
+        <p:nvPicPr>
+          <p:cNvPr id="5" name="Content Placeholder 4"/>
+          <p:cNvPicPr>
+            <a:picLocks noGrp="1" noChangeAspect="1"/>
+          </p:cNvPicPr>
+          <p:nvPr>
+            <p:ph sz="half" idx="2"/>
+          </p:nvPr>
+        </p:nvPicPr>
+        <p:blipFill>
+          <a:blip r:embed="rId2" cstate="print">
+            <a:extLst>
+              <a:ext uri="{28A0092B-C50C-407E-A947-70E740481C1C}">
+                <a14:useLocalDpi xmlns:a14="http://schemas.microsoft.com/office/drawing/2010/main" val="0"/>
+              </a:ext>
+            </a:extLst>
+          </a:blip>
+          <a:stretch>
+            <a:fillRect/>
+          </a:stretch>
+        </p:blipFill>
+        <p:spPr>
+          <a:xfrm>
+            <a:off x="5158797" y="1605331"/>
+            <a:ext cx="5994111" cy="4689669"/>
+          </a:xfrm>
+        </p:spPr>
+      </p:pic>
     </p:spTree>
     <p:extLst>
       <p:ext uri="{BB962C8B-B14F-4D97-AF65-F5344CB8AC3E}">
-        <p14:creationId xmlns:p14="http://schemas.microsoft.com/office/powerpoint/2010/main" val="1370104605"/>
+        <p14:creationId xmlns:p14="http://schemas.microsoft.com/office/powerpoint/2010/main" val="3362481128"/>
       </p:ext>
     </p:extLst>
   </p:cSld>
@@ -7737,12 +7729,532 @@
         </p:nvSpPr>
         <p:spPr/>
         <p:txBody>
+          <a:bodyPr>
+            <a:normAutofit/>
+          </a:bodyPr>
+          <a:lstStyle/>
+          <a:p>
+            <a:r>
+              <a:rPr lang="en-US" sz="4400" dirty="0" smtClean="0"/>
+              <a:t>Kinect Studio</a:t>
+            </a:r>
+            <a:endParaRPr lang="en-US" sz="4400" dirty="0"/>
+          </a:p>
+        </p:txBody>
+      </p:sp>
+      <p:sp>
+        <p:nvSpPr>
+          <p:cNvPr id="3" name="Content Placeholder 2"/>
+          <p:cNvSpPr>
+            <a:spLocks noGrp="1"/>
+          </p:cNvSpPr>
+          <p:nvPr>
+            <p:ph sz="half" idx="1"/>
+          </p:nvPr>
+        </p:nvSpPr>
+        <p:spPr/>
+        <p:txBody>
           <a:bodyPr/>
           <a:lstStyle/>
           <a:p>
             <a:r>
-              <a:rPr lang="en-US" smtClean="0"/>
-              <a:t>Contact us =)</a:t>
+              <a:rPr lang="en-US" sz="2000" dirty="0" smtClean="0"/>
+              <a:t>View specific sensor data</a:t>
+            </a:r>
+          </a:p>
+          <a:p>
+            <a:r>
+              <a:rPr lang="en-US" sz="2000" dirty="0" smtClean="0"/>
+              <a:t>Record movement and gestures</a:t>
+            </a:r>
+          </a:p>
+          <a:p>
+            <a:endParaRPr lang="en-US" dirty="0"/>
+          </a:p>
+        </p:txBody>
+      </p:sp>
+      <p:pic>
+        <p:nvPicPr>
+          <p:cNvPr id="5" name="Content Placeholder 4"/>
+          <p:cNvPicPr>
+            <a:picLocks noChangeAspect="1"/>
+          </p:cNvPicPr>
+          <p:nvPr/>
+        </p:nvPicPr>
+        <p:blipFill>
+          <a:blip r:embed="rId2" cstate="print">
+            <a:extLst>
+              <a:ext uri="{28A0092B-C50C-407E-A947-70E740481C1C}">
+                <a14:useLocalDpi xmlns:a14="http://schemas.microsoft.com/office/drawing/2010/main" val="0"/>
+              </a:ext>
+            </a:extLst>
+          </a:blip>
+          <a:stretch>
+            <a:fillRect/>
+          </a:stretch>
+        </p:blipFill>
+        <p:spPr>
+          <a:xfrm>
+            <a:off x="4787677" y="1684048"/>
+            <a:ext cx="6826819" cy="4155641"/>
+          </a:xfrm>
+          <a:prstGeom prst="rect">
+            <a:avLst/>
+          </a:prstGeom>
+        </p:spPr>
+      </p:pic>
+    </p:spTree>
+    <p:extLst>
+      <p:ext uri="{BB962C8B-B14F-4D97-AF65-F5344CB8AC3E}">
+        <p14:creationId xmlns:p14="http://schemas.microsoft.com/office/powerpoint/2010/main" val="1261787097"/>
+      </p:ext>
+    </p:extLst>
+  </p:cSld>
+  <p:clrMapOvr>
+    <a:masterClrMapping/>
+  </p:clrMapOvr>
+</p:sld>
+</file>
+
+<file path=ppt/slides/slide6.xml><?xml version="1.0" encoding="utf-8"?>
+<p:sld xmlns:a="http://schemas.openxmlformats.org/drawingml/2006/main" xmlns:r="http://schemas.openxmlformats.org/officeDocument/2006/relationships" xmlns:p="http://schemas.openxmlformats.org/presentationml/2006/main">
+  <p:cSld>
+    <p:spTree>
+      <p:nvGrpSpPr>
+        <p:cNvPr id="1" name=""/>
+        <p:cNvGrpSpPr/>
+        <p:nvPr/>
+      </p:nvGrpSpPr>
+      <p:grpSpPr>
+        <a:xfrm>
+          <a:off x="0" y="0"/>
+          <a:ext cx="0" cy="0"/>
+          <a:chOff x="0" y="0"/>
+          <a:chExt cx="0" cy="0"/>
+        </a:xfrm>
+      </p:grpSpPr>
+      <p:sp>
+        <p:nvSpPr>
+          <p:cNvPr id="2" name="Title 1"/>
+          <p:cNvSpPr>
+            <a:spLocks noGrp="1"/>
+          </p:cNvSpPr>
+          <p:nvPr>
+            <p:ph type="title"/>
+          </p:nvPr>
+        </p:nvSpPr>
+        <p:spPr/>
+        <p:txBody>
+          <a:bodyPr>
+            <a:normAutofit/>
+          </a:bodyPr>
+          <a:lstStyle/>
+          <a:p>
+            <a:r>
+              <a:rPr lang="en-US" sz="4400" dirty="0" smtClean="0"/>
+              <a:t>Gesture Builder</a:t>
+            </a:r>
+            <a:endParaRPr lang="en-US" sz="4400" dirty="0"/>
+          </a:p>
+        </p:txBody>
+      </p:sp>
+      <p:sp>
+        <p:nvSpPr>
+          <p:cNvPr id="3" name="Content Placeholder 2"/>
+          <p:cNvSpPr>
+            <a:spLocks noGrp="1"/>
+          </p:cNvSpPr>
+          <p:nvPr>
+            <p:ph sz="half" idx="1"/>
+          </p:nvPr>
+        </p:nvSpPr>
+        <p:spPr/>
+        <p:txBody>
+          <a:bodyPr>
+            <a:normAutofit/>
+          </a:bodyPr>
+          <a:lstStyle/>
+          <a:p>
+            <a:r>
+              <a:rPr lang="en-US" sz="2000" b="1" dirty="0" smtClean="0"/>
+              <a:t>Process </a:t>
+            </a:r>
+            <a:r>
+              <a:rPr lang="en-US" sz="2000" dirty="0" smtClean="0"/>
+              <a:t>recordings from Kinect Studio for testing or learning </a:t>
+            </a:r>
+          </a:p>
+          <a:p>
+            <a:r>
+              <a:rPr lang="en-US" sz="2000" b="1" dirty="0" smtClean="0"/>
+              <a:t>Train </a:t>
+            </a:r>
+            <a:r>
+              <a:rPr lang="en-US" sz="2000" dirty="0" smtClean="0"/>
+              <a:t>the Kinect to recognize specific movements for the entire body, specific side, upper or lower.</a:t>
+            </a:r>
+          </a:p>
+          <a:p>
+            <a:r>
+              <a:rPr lang="en-US" sz="2000" b="1" dirty="0" smtClean="0"/>
+              <a:t>Test</a:t>
+            </a:r>
+            <a:r>
+              <a:rPr lang="en-US" sz="2000" dirty="0" smtClean="0"/>
+              <a:t> the Kinect’s confidence and accuracy of detecting gestures.  </a:t>
+            </a:r>
+          </a:p>
+        </p:txBody>
+      </p:sp>
+      <p:pic>
+        <p:nvPicPr>
+          <p:cNvPr id="5" name="Content Placeholder 4"/>
+          <p:cNvPicPr>
+            <a:picLocks noGrp="1" noChangeAspect="1"/>
+          </p:cNvPicPr>
+          <p:nvPr>
+            <p:ph sz="half" idx="2"/>
+          </p:nvPr>
+        </p:nvPicPr>
+        <p:blipFill>
+          <a:blip r:embed="rId2" cstate="print">
+            <a:extLst>
+              <a:ext uri="{28A0092B-C50C-407E-A947-70E740481C1C}">
+                <a14:useLocalDpi xmlns:a14="http://schemas.microsoft.com/office/drawing/2010/main" val="0"/>
+              </a:ext>
+            </a:extLst>
+          </a:blip>
+          <a:stretch>
+            <a:fillRect/>
+          </a:stretch>
+        </p:blipFill>
+        <p:spPr>
+          <a:xfrm>
+            <a:off x="5083041" y="1579181"/>
+            <a:ext cx="6546066" cy="4405983"/>
+          </a:xfrm>
+        </p:spPr>
+      </p:pic>
+    </p:spTree>
+    <p:extLst>
+      <p:ext uri="{BB962C8B-B14F-4D97-AF65-F5344CB8AC3E}">
+        <p14:creationId xmlns:p14="http://schemas.microsoft.com/office/powerpoint/2010/main" val="3353730029"/>
+      </p:ext>
+    </p:extLst>
+  </p:cSld>
+  <p:clrMapOvr>
+    <a:masterClrMapping/>
+  </p:clrMapOvr>
+</p:sld>
+</file>
+
+<file path=ppt/slides/slide7.xml><?xml version="1.0" encoding="utf-8"?>
+<p:sld xmlns:a="http://schemas.openxmlformats.org/drawingml/2006/main" xmlns:r="http://schemas.openxmlformats.org/officeDocument/2006/relationships" xmlns:p="http://schemas.openxmlformats.org/presentationml/2006/main">
+  <p:cSld>
+    <p:spTree>
+      <p:nvGrpSpPr>
+        <p:cNvPr id="1" name=""/>
+        <p:cNvGrpSpPr/>
+        <p:nvPr/>
+      </p:nvGrpSpPr>
+      <p:grpSpPr>
+        <a:xfrm>
+          <a:off x="0" y="0"/>
+          <a:ext cx="0" cy="0"/>
+          <a:chOff x="0" y="0"/>
+          <a:chExt cx="0" cy="0"/>
+        </a:xfrm>
+      </p:grpSpPr>
+      <p:sp>
+        <p:nvSpPr>
+          <p:cNvPr id="2" name="Title 1"/>
+          <p:cNvSpPr>
+            <a:spLocks noGrp="1"/>
+          </p:cNvSpPr>
+          <p:nvPr>
+            <p:ph type="title"/>
+          </p:nvPr>
+        </p:nvSpPr>
+        <p:spPr/>
+        <p:txBody>
+          <a:bodyPr>
+            <a:normAutofit/>
+          </a:bodyPr>
+          <a:lstStyle/>
+          <a:p>
+            <a:r>
+              <a:rPr lang="en-US" sz="4800" dirty="0" smtClean="0"/>
+              <a:t>Kinect Prerequisites</a:t>
+            </a:r>
+            <a:endParaRPr lang="en-US" sz="4800" dirty="0"/>
+          </a:p>
+        </p:txBody>
+      </p:sp>
+      <p:sp>
+        <p:nvSpPr>
+          <p:cNvPr id="3" name="Content Placeholder 2"/>
+          <p:cNvSpPr>
+            <a:spLocks noGrp="1"/>
+          </p:cNvSpPr>
+          <p:nvPr>
+            <p:ph idx="1"/>
+          </p:nvPr>
+        </p:nvSpPr>
+        <p:spPr/>
+        <p:txBody>
+          <a:bodyPr>
+            <a:normAutofit/>
+          </a:bodyPr>
+          <a:lstStyle/>
+          <a:p>
+            <a:r>
+              <a:rPr lang="en-US" sz="2800" dirty="0" smtClean="0"/>
+              <a:t>USB 3 port</a:t>
+            </a:r>
+          </a:p>
+          <a:p>
+            <a:r>
+              <a:rPr lang="en-US" sz="2800" dirty="0" smtClean="0"/>
+              <a:t>Kinect SDK - </a:t>
+            </a:r>
+            <a:r>
+              <a:rPr lang="en-US" sz="2400" dirty="0">
+                <a:hlinkClick r:id="rId2"/>
+              </a:rPr>
+              <a:t>https://www.microsoft.com/en-us/kinectforwindows/develop/downloads-docs.aspx</a:t>
+            </a:r>
+            <a:endParaRPr lang="en-US" sz="2400" dirty="0" smtClean="0"/>
+          </a:p>
+          <a:p>
+            <a:r>
+              <a:rPr lang="en-US" sz="2800" dirty="0" smtClean="0"/>
+              <a:t>Unity Plugins (which I provide in the </a:t>
+            </a:r>
+            <a:r>
+              <a:rPr lang="en-US" sz="2800" dirty="0" err="1" smtClean="0"/>
+              <a:t>git</a:t>
+            </a:r>
+            <a:r>
+              <a:rPr lang="en-US" sz="2800" dirty="0" smtClean="0"/>
+              <a:t> repo) </a:t>
+            </a:r>
+            <a:r>
+              <a:rPr lang="en-US" sz="2800" dirty="0"/>
+              <a:t>– </a:t>
+            </a:r>
+            <a:r>
+              <a:rPr lang="en-US" sz="2400" dirty="0">
+                <a:hlinkClick r:id="rId3"/>
+              </a:rPr>
+              <a:t>https://</a:t>
+            </a:r>
+            <a:r>
+              <a:rPr lang="en-US" sz="2400" dirty="0" smtClean="0">
+                <a:hlinkClick r:id="rId3"/>
+              </a:rPr>
+              <a:t>github.com/KatVHarris/Unity5-KinectGestures</a:t>
+            </a:r>
+            <a:endParaRPr lang="en-US" sz="2400" dirty="0" smtClean="0"/>
+          </a:p>
+          <a:p>
+            <a:r>
+              <a:rPr lang="en-US" sz="2800" dirty="0" smtClean="0"/>
+              <a:t>Kinect </a:t>
+            </a:r>
+            <a:r>
+              <a:rPr lang="en-US" sz="2800" dirty="0"/>
+              <a:t>Setup Instructions - </a:t>
+            </a:r>
+            <a:r>
+              <a:rPr lang="en-US" sz="2400" dirty="0">
+                <a:hlinkClick r:id="rId4"/>
+              </a:rPr>
+              <a:t>http://</a:t>
+            </a:r>
+            <a:r>
+              <a:rPr lang="en-US" sz="2400" dirty="0" smtClean="0">
+                <a:hlinkClick r:id="rId4"/>
+              </a:rPr>
+              <a:t>bit.ly/UnityKinect</a:t>
+            </a:r>
+            <a:r>
+              <a:rPr lang="en-US" sz="2400" dirty="0" smtClean="0"/>
+              <a:t> </a:t>
+            </a:r>
+            <a:endParaRPr lang="en-US" sz="2400" dirty="0"/>
+          </a:p>
+        </p:txBody>
+      </p:sp>
+    </p:spTree>
+    <p:extLst>
+      <p:ext uri="{BB962C8B-B14F-4D97-AF65-F5344CB8AC3E}">
+        <p14:creationId xmlns:p14="http://schemas.microsoft.com/office/powerpoint/2010/main" val="2910986191"/>
+      </p:ext>
+    </p:extLst>
+  </p:cSld>
+  <p:clrMapOvr>
+    <a:masterClrMapping/>
+  </p:clrMapOvr>
+</p:sld>
+</file>
+
+<file path=ppt/slides/slide8.xml><?xml version="1.0" encoding="utf-8"?>
+<p:sld xmlns:a="http://schemas.openxmlformats.org/drawingml/2006/main" xmlns:r="http://schemas.openxmlformats.org/officeDocument/2006/relationships" xmlns:p="http://schemas.openxmlformats.org/presentationml/2006/main">
+  <p:cSld>
+    <p:spTree>
+      <p:nvGrpSpPr>
+        <p:cNvPr id="1" name=""/>
+        <p:cNvGrpSpPr/>
+        <p:nvPr/>
+      </p:nvGrpSpPr>
+      <p:grpSpPr>
+        <a:xfrm>
+          <a:off x="0" y="0"/>
+          <a:ext cx="0" cy="0"/>
+          <a:chOff x="0" y="0"/>
+          <a:chExt cx="0" cy="0"/>
+        </a:xfrm>
+      </p:grpSpPr>
+      <p:sp>
+        <p:nvSpPr>
+          <p:cNvPr id="2" name="Title 1"/>
+          <p:cNvSpPr>
+            <a:spLocks noGrp="1"/>
+          </p:cNvSpPr>
+          <p:nvPr>
+            <p:ph type="title"/>
+          </p:nvPr>
+        </p:nvSpPr>
+        <p:spPr/>
+        <p:txBody>
+          <a:bodyPr/>
+          <a:lstStyle/>
+          <a:p>
+            <a:r>
+              <a:rPr lang="en-US" dirty="0" smtClean="0"/>
+              <a:t>More Resources</a:t>
+            </a:r>
+            <a:endParaRPr lang="en-US" dirty="0"/>
+          </a:p>
+        </p:txBody>
+      </p:sp>
+      <p:sp>
+        <p:nvSpPr>
+          <p:cNvPr id="3" name="Content Placeholder 2"/>
+          <p:cNvSpPr>
+            <a:spLocks noGrp="1"/>
+          </p:cNvSpPr>
+          <p:nvPr>
+            <p:ph idx="1"/>
+          </p:nvPr>
+        </p:nvSpPr>
+        <p:spPr/>
+        <p:txBody>
+          <a:bodyPr/>
+          <a:lstStyle/>
+          <a:p>
+            <a:r>
+              <a:rPr lang="en-US" dirty="0"/>
+              <a:t>Unity Plugins - </a:t>
+            </a:r>
+            <a:r>
+              <a:rPr lang="en-US" dirty="0">
+                <a:hlinkClick r:id="rId2"/>
+              </a:rPr>
+              <a:t>https://</a:t>
+            </a:r>
+            <a:r>
+              <a:rPr lang="en-US" dirty="0" smtClean="0">
+                <a:hlinkClick r:id="rId2"/>
+              </a:rPr>
+              <a:t>github.com/carmines/workshop/tree/master/Unity</a:t>
+            </a:r>
+            <a:endParaRPr lang="en-US" dirty="0" smtClean="0"/>
+          </a:p>
+          <a:p>
+            <a:r>
+              <a:rPr lang="en-US" dirty="0"/>
+              <a:t>Kinect Gestures Video – </a:t>
+            </a:r>
+            <a:r>
+              <a:rPr lang="en-US" dirty="0">
+                <a:hlinkClick r:id="rId3"/>
+              </a:rPr>
+              <a:t>https://</a:t>
+            </a:r>
+            <a:r>
+              <a:rPr lang="en-US" dirty="0" smtClean="0">
+                <a:hlinkClick r:id="rId3"/>
+              </a:rPr>
+              <a:t>channel9.msdn.com/Blogs/k4wdev/Custom-Gestures-End-to-End-with-Kinect-and-Visual-Gesture-Builder</a:t>
+            </a:r>
+            <a:r>
+              <a:rPr lang="en-US" dirty="0" smtClean="0"/>
+              <a:t> </a:t>
+            </a:r>
+          </a:p>
+          <a:p>
+            <a:endParaRPr lang="en-US" dirty="0" smtClean="0"/>
+          </a:p>
+          <a:p>
+            <a:endParaRPr lang="en-US" dirty="0"/>
+          </a:p>
+          <a:p>
+            <a:endParaRPr lang="en-US" dirty="0" smtClean="0"/>
+          </a:p>
+          <a:p>
+            <a:endParaRPr lang="en-US" dirty="0"/>
+          </a:p>
+        </p:txBody>
+      </p:sp>
+    </p:spTree>
+    <p:extLst>
+      <p:ext uri="{BB962C8B-B14F-4D97-AF65-F5344CB8AC3E}">
+        <p14:creationId xmlns:p14="http://schemas.microsoft.com/office/powerpoint/2010/main" val="900652852"/>
+      </p:ext>
+    </p:extLst>
+  </p:cSld>
+  <p:clrMapOvr>
+    <a:masterClrMapping/>
+  </p:clrMapOvr>
+</p:sld>
+</file>
+
+<file path=ppt/slides/slide9.xml><?xml version="1.0" encoding="utf-8"?>
+<p:sld xmlns:a="http://schemas.openxmlformats.org/drawingml/2006/main" xmlns:r="http://schemas.openxmlformats.org/officeDocument/2006/relationships" xmlns:p="http://schemas.openxmlformats.org/presentationml/2006/main">
+  <p:cSld>
+    <p:spTree>
+      <p:nvGrpSpPr>
+        <p:cNvPr id="1" name=""/>
+        <p:cNvGrpSpPr/>
+        <p:nvPr/>
+      </p:nvGrpSpPr>
+      <p:grpSpPr>
+        <a:xfrm>
+          <a:off x="0" y="0"/>
+          <a:ext cx="0" cy="0"/>
+          <a:chOff x="0" y="0"/>
+          <a:chExt cx="0" cy="0"/>
+        </a:xfrm>
+      </p:grpSpPr>
+      <p:sp>
+        <p:nvSpPr>
+          <p:cNvPr id="2" name="Title 1"/>
+          <p:cNvSpPr>
+            <a:spLocks noGrp="1"/>
+          </p:cNvSpPr>
+          <p:nvPr>
+            <p:ph type="title"/>
+          </p:nvPr>
+        </p:nvSpPr>
+        <p:spPr/>
+        <p:txBody>
+          <a:bodyPr/>
+          <a:lstStyle/>
+          <a:p>
+            <a:r>
+              <a:rPr lang="en-US" dirty="0" smtClean="0"/>
+              <a:t>Questions?</a:t>
             </a:r>
             <a:endParaRPr lang="en-US" dirty="0"/>
           </a:p>
@@ -7775,11 +8287,7 @@
             </a:pPr>
             <a:r>
               <a:rPr lang="en-US" sz="2400" dirty="0"/>
-              <a:t>Tobiah </a:t>
-            </a:r>
-            <a:r>
-              <a:rPr lang="en-US" sz="2400" dirty="0"/>
-              <a:t>Zarlez</a:t>
+              <a:t>Tobiah Zarlez</a:t>
             </a:r>
           </a:p>
           <a:p>
@@ -7848,7 +8356,6 @@
               <a:rPr lang="en-US" sz="1600" dirty="0"/>
               <a:t>www.TobiahZ.com</a:t>
             </a:r>
-            <a:endParaRPr lang="en-US" sz="1600" dirty="0"/>
           </a:p>
           <a:p>
             <a:pPr marL="0" indent="0" algn="ctr">
@@ -7865,7 +8372,6 @@
               <a:rPr lang="en-US" sz="1600" dirty="0"/>
               <a:t>www.BeIndieNow.com</a:t>
             </a:r>
-            <a:endParaRPr lang="en-US" sz="1600" dirty="0"/>
           </a:p>
         </p:txBody>
       </p:sp>
@@ -7967,11 +8473,7 @@
             </a:pPr>
             <a:r>
               <a:rPr lang="en-US" sz="2400" dirty="0"/>
-              <a:t>Adina </a:t>
-            </a:r>
-            <a:r>
-              <a:rPr lang="en-US" sz="2400" dirty="0"/>
-              <a:t>Shanholtz</a:t>
+              <a:t>Adina Shanholtz</a:t>
             </a:r>
           </a:p>
           <a:p>
@@ -8032,10 +8534,6 @@
             <a:r>
               <a:rPr lang="en-US" sz="1600" dirty="0"/>
               <a:t>Blog:</a:t>
-            </a:r>
-            <a:r>
-              <a:rPr lang="en-US" sz="1600" dirty="0"/>
-              <a:t/>
             </a:r>
             <a:br>
               <a:rPr lang="en-US" sz="1600" dirty="0"/>
@@ -8076,7 +8574,6 @@
               <a:rPr lang="en-US" sz="2400" dirty="0"/>
               <a:t>Katherine Harris</a:t>
             </a:r>
-            <a:endParaRPr lang="en-US" sz="2400" dirty="0"/>
           </a:p>
           <a:p>
             <a:pPr marL="0" indent="0" algn="ctr">
@@ -8115,10 +8612,6 @@
             <a:r>
               <a:rPr lang="en-US" sz="1600" dirty="0"/>
               <a:t>Twitter:</a:t>
-            </a:r>
-            <a:r>
-              <a:rPr lang="en-US" sz="1600" dirty="0"/>
-              <a:t/>
             </a:r>
             <a:br>
               <a:rPr lang="en-US" sz="1600" dirty="0"/>
@@ -8140,10 +8633,6 @@
             <a:r>
               <a:rPr lang="en-US" sz="1600" dirty="0"/>
               <a:t>Blog:</a:t>
-            </a:r>
-            <a:r>
-              <a:rPr lang="en-US" sz="1600" dirty="0"/>
-              <a:t/>
             </a:r>
             <a:br>
               <a:rPr lang="en-US" sz="1600" dirty="0"/>
